--- a/발표자료/스마트폰게임 프로그래밍 1차 발표.pptx
+++ b/발표자료/스마트폰게임 프로그래밍 1차 발표.pptx
@@ -5,25 +5,26 @@
     <p:sldMasterId id="2147483648" r:id="rId1"/>
   </p:sldMasterIdLst>
   <p:notesMasterIdLst>
-    <p:notesMasterId r:id="rId7"/>
+    <p:notesMasterId r:id="rId8"/>
   </p:notesMasterIdLst>
   <p:handoutMasterIdLst>
-    <p:handoutMasterId r:id="rId8"/>
+    <p:handoutMasterId r:id="rId9"/>
   </p:handoutMasterIdLst>
   <p:sldIdLst>
     <p:sldId id="256" r:id="rId2"/>
     <p:sldId id="280" r:id="rId3"/>
-    <p:sldId id="276" r:id="rId4"/>
-    <p:sldId id="287" r:id="rId5"/>
-    <p:sldId id="266" r:id="rId6"/>
+    <p:sldId id="288" r:id="rId4"/>
+    <p:sldId id="276" r:id="rId5"/>
+    <p:sldId id="287" r:id="rId6"/>
+    <p:sldId id="266" r:id="rId7"/>
   </p:sldIdLst>
   <p:sldSz cx="12192000" cy="6858000"/>
   <p:notesSz cx="6858000" cy="9144000"/>
   <p:embeddedFontLst>
     <p:embeddedFont>
       <p:font typeface="맑은 고딕" panose="020B0503020000020004" pitchFamily="50" charset="-127"/>
-      <p:regular r:id="rId9"/>
-      <p:bold r:id="rId10"/>
+      <p:regular r:id="rId10"/>
+      <p:bold r:id="rId11"/>
     </p:embeddedFont>
   </p:embeddedFontLst>
   <p:defaultTextStyle>
@@ -3350,6 +3351,1547 @@
           <a:chExt cx="0" cy="0"/>
         </a:xfrm>
       </p:grpSpPr>
+      <p:grpSp>
+        <p:nvGrpSpPr>
+          <p:cNvPr id="2" name="그룹 1"/>
+          <p:cNvGrpSpPr/>
+          <p:nvPr/>
+        </p:nvGrpSpPr>
+        <p:grpSpPr>
+          <a:xfrm>
+            <a:off x="521264" y="410198"/>
+            <a:ext cx="564022" cy="564022"/>
+            <a:chOff x="521264" y="410198"/>
+            <a:chExt cx="564022" cy="564022"/>
+          </a:xfrm>
+        </p:grpSpPr>
+        <p:sp>
+          <p:nvSpPr>
+            <p:cNvPr id="3" name="다이아몬드 2"/>
+            <p:cNvSpPr/>
+            <p:nvPr/>
+          </p:nvSpPr>
+          <p:spPr>
+            <a:xfrm>
+              <a:off x="521264" y="410198"/>
+              <a:ext cx="564022" cy="564022"/>
+            </a:xfrm>
+            <a:prstGeom prst="diamond">
+              <a:avLst/>
+            </a:prstGeom>
+            <a:solidFill>
+              <a:srgbClr val="55CFD1"/>
+            </a:solidFill>
+            <a:ln>
+              <a:noFill/>
+            </a:ln>
+          </p:spPr>
+          <p:style>
+            <a:lnRef idx="2">
+              <a:schemeClr val="accent1">
+                <a:shade val="50000"/>
+              </a:schemeClr>
+            </a:lnRef>
+            <a:fillRef idx="1">
+              <a:schemeClr val="accent1"/>
+            </a:fillRef>
+            <a:effectRef idx="0">
+              <a:schemeClr val="accent1"/>
+            </a:effectRef>
+            <a:fontRef idx="minor">
+              <a:schemeClr val="lt1"/>
+            </a:fontRef>
+          </p:style>
+          <p:txBody>
+            <a:bodyPr rtlCol="0" anchor="ctr"/>
+            <a:lstStyle/>
+            <a:p>
+              <a:pPr algn="ctr"/>
+              <a:endParaRPr lang="ko-KR" altLang="en-US"/>
+            </a:p>
+          </p:txBody>
+        </p:sp>
+        <p:sp>
+          <p:nvSpPr>
+            <p:cNvPr id="5" name="TextBox 4"/>
+            <p:cNvSpPr txBox="1"/>
+            <p:nvPr/>
+          </p:nvSpPr>
+          <p:spPr>
+            <a:xfrm>
+              <a:off x="536854" y="451302"/>
+              <a:ext cx="540399" cy="461594"/>
+            </a:xfrm>
+            <a:prstGeom prst="rect">
+              <a:avLst/>
+            </a:prstGeom>
+            <a:noFill/>
+          </p:spPr>
+          <p:txBody>
+            <a:bodyPr wrap="none" lIns="91374" tIns="45685" rIns="91374" bIns="45685">
+              <a:spAutoFit/>
+            </a:bodyPr>
+            <a:lstStyle/>
+            <a:p>
+              <a:pPr defTabSz="912813" fontAlgn="base">
+                <a:spcBef>
+                  <a:spcPts val="600"/>
+                </a:spcBef>
+                <a:spcAft>
+                  <a:spcPct val="0"/>
+                </a:spcAft>
+                <a:defRPr/>
+              </a:pPr>
+              <a:r>
+                <a:rPr kumimoji="1" lang="en-US" altLang="ko-KR" sz="2400" b="1">
+                  <a:ln>
+                    <a:solidFill>
+                      <a:schemeClr val="bg1">
+                        <a:lumMod val="85000"/>
+                        <a:alpha val="0"/>
+                      </a:schemeClr>
+                    </a:solidFill>
+                  </a:ln>
+                  <a:solidFill>
+                    <a:schemeClr val="bg1"/>
+                  </a:solidFill>
+                  <a:latin typeface="맑은 고딕" pitchFamily="50" charset="-127"/>
+                  <a:ea typeface="맑은 고딕" pitchFamily="50" charset="-127"/>
+                  <a:cs typeface="Arial" panose="020B0604020202020204" pitchFamily="34" charset="0"/>
+                </a:rPr>
+                <a:t>01</a:t>
+              </a:r>
+              <a:endParaRPr kumimoji="1" lang="en-US" altLang="ko-KR" sz="2400" b="1" dirty="0">
+                <a:ln>
+                  <a:solidFill>
+                    <a:schemeClr val="bg1">
+                      <a:lumMod val="85000"/>
+                      <a:alpha val="0"/>
+                    </a:schemeClr>
+                  </a:solidFill>
+                </a:ln>
+                <a:solidFill>
+                  <a:schemeClr val="bg1"/>
+                </a:solidFill>
+                <a:latin typeface="맑은 고딕" pitchFamily="50" charset="-127"/>
+                <a:ea typeface="맑은 고딕" pitchFamily="50" charset="-127"/>
+                <a:cs typeface="Arial" panose="020B0604020202020204" pitchFamily="34" charset="0"/>
+              </a:endParaRPr>
+            </a:p>
+          </p:txBody>
+        </p:sp>
+      </p:grpSp>
+      <p:sp>
+        <p:nvSpPr>
+          <p:cNvPr id="32" name="직사각형 31">
+            <a:extLst>
+              <a:ext uri="{FF2B5EF4-FFF2-40B4-BE49-F238E27FC236}">
+                <a16:creationId xmlns:a16="http://schemas.microsoft.com/office/drawing/2014/main" id="{73989CA5-885B-425A-AE2C-AA3BA05618F1}"/>
+              </a:ext>
+            </a:extLst>
+          </p:cNvPr>
+          <p:cNvSpPr/>
+          <p:nvPr/>
+        </p:nvSpPr>
+        <p:spPr>
+          <a:xfrm>
+            <a:off x="0" y="6604000"/>
+            <a:ext cx="12192000" cy="254000"/>
+          </a:xfrm>
+          <a:prstGeom prst="rect">
+            <a:avLst/>
+          </a:prstGeom>
+          <a:solidFill>
+            <a:srgbClr val="59D1D2"/>
+          </a:solidFill>
+          <a:ln>
+            <a:noFill/>
+          </a:ln>
+        </p:spPr>
+        <p:style>
+          <a:lnRef idx="2">
+            <a:schemeClr val="accent1">
+              <a:shade val="50000"/>
+            </a:schemeClr>
+          </a:lnRef>
+          <a:fillRef idx="1">
+            <a:schemeClr val="accent1"/>
+          </a:fillRef>
+          <a:effectRef idx="0">
+            <a:schemeClr val="accent1"/>
+          </a:effectRef>
+          <a:fontRef idx="minor">
+            <a:schemeClr val="lt1"/>
+          </a:fontRef>
+        </p:style>
+        <p:txBody>
+          <a:bodyPr rtlCol="0" anchor="ctr"/>
+          <a:lstStyle/>
+          <a:p>
+            <a:pPr algn="r"/>
+            <a:r>
+              <a:rPr lang="en-US" altLang="ko-KR"/>
+              <a:t>2</a:t>
+            </a:r>
+            <a:endParaRPr lang="ko-KR" altLang="en-US"/>
+          </a:p>
+        </p:txBody>
+      </p:sp>
+      <p:sp>
+        <p:nvSpPr>
+          <p:cNvPr id="33" name="TextBox 32">
+            <a:extLst>
+              <a:ext uri="{FF2B5EF4-FFF2-40B4-BE49-F238E27FC236}">
+                <a16:creationId xmlns:a16="http://schemas.microsoft.com/office/drawing/2014/main" id="{ED38333B-2613-463C-9EDA-243004105BDE}"/>
+              </a:ext>
+            </a:extLst>
+          </p:cNvPr>
+          <p:cNvSpPr txBox="1"/>
+          <p:nvPr/>
+        </p:nvSpPr>
+        <p:spPr>
+          <a:xfrm>
+            <a:off x="1085286" y="451302"/>
+            <a:ext cx="1524643" cy="461594"/>
+          </a:xfrm>
+          <a:prstGeom prst="rect">
+            <a:avLst/>
+          </a:prstGeom>
+          <a:noFill/>
+        </p:spPr>
+        <p:txBody>
+          <a:bodyPr wrap="none" lIns="91374" tIns="45685" rIns="91374" bIns="45685">
+            <a:spAutoFit/>
+          </a:bodyPr>
+          <a:lstStyle/>
+          <a:p>
+            <a:pPr defTabSz="912813" fontAlgn="base">
+              <a:spcBef>
+                <a:spcPts val="600"/>
+              </a:spcBef>
+              <a:spcAft>
+                <a:spcPct val="0"/>
+              </a:spcAft>
+              <a:defRPr/>
+            </a:pPr>
+            <a:r>
+              <a:rPr kumimoji="1" lang="ko-KR" altLang="en-US" sz="2400" b="1">
+                <a:ln>
+                  <a:solidFill>
+                    <a:schemeClr val="bg1">
+                      <a:lumMod val="85000"/>
+                      <a:alpha val="0"/>
+                    </a:schemeClr>
+                  </a:solidFill>
+                </a:ln>
+                <a:solidFill>
+                  <a:srgbClr val="4B465E"/>
+                </a:solidFill>
+                <a:latin typeface="맑은 고딕" pitchFamily="50" charset="-127"/>
+                <a:cs typeface="Arial" panose="020B0604020202020204" pitchFamily="34" charset="0"/>
+              </a:rPr>
+              <a:t>게임 컨셉</a:t>
+            </a:r>
+            <a:endParaRPr kumimoji="1" lang="en-US" altLang="ko-KR" sz="2400" b="1" dirty="0">
+              <a:ln>
+                <a:solidFill>
+                  <a:schemeClr val="bg1">
+                    <a:lumMod val="85000"/>
+                    <a:alpha val="0"/>
+                  </a:schemeClr>
+                </a:solidFill>
+              </a:ln>
+              <a:solidFill>
+                <a:srgbClr val="4B465E"/>
+              </a:solidFill>
+              <a:latin typeface="맑은 고딕" pitchFamily="50" charset="-127"/>
+              <a:cs typeface="Arial" panose="020B0604020202020204" pitchFamily="34" charset="0"/>
+            </a:endParaRPr>
+          </a:p>
+        </p:txBody>
+      </p:sp>
+      <p:grpSp>
+        <p:nvGrpSpPr>
+          <p:cNvPr id="12" name="그룹 11">
+            <a:extLst>
+              <a:ext uri="{FF2B5EF4-FFF2-40B4-BE49-F238E27FC236}">
+                <a16:creationId xmlns:a16="http://schemas.microsoft.com/office/drawing/2014/main" id="{58326D4F-C16C-43DE-AF67-43F0EE648CD1}"/>
+              </a:ext>
+            </a:extLst>
+          </p:cNvPr>
+          <p:cNvGrpSpPr/>
+          <p:nvPr/>
+        </p:nvGrpSpPr>
+        <p:grpSpPr>
+          <a:xfrm>
+            <a:off x="1267095" y="1426866"/>
+            <a:ext cx="2260880" cy="4036480"/>
+            <a:chOff x="803275" y="1547446"/>
+            <a:chExt cx="2260880" cy="4036480"/>
+          </a:xfrm>
+        </p:grpSpPr>
+        <p:sp>
+          <p:nvSpPr>
+            <p:cNvPr id="13" name="직사각형 12">
+              <a:extLst>
+                <a:ext uri="{FF2B5EF4-FFF2-40B4-BE49-F238E27FC236}">
+                  <a16:creationId xmlns:a16="http://schemas.microsoft.com/office/drawing/2014/main" id="{5EE97D01-3284-4508-BB2F-6CEA8DAC7141}"/>
+                </a:ext>
+              </a:extLst>
+            </p:cNvPr>
+            <p:cNvSpPr/>
+            <p:nvPr/>
+          </p:nvSpPr>
+          <p:spPr>
+            <a:xfrm>
+              <a:off x="803275" y="1547446"/>
+              <a:ext cx="2260879" cy="2260879"/>
+            </a:xfrm>
+            <a:prstGeom prst="rect">
+              <a:avLst/>
+            </a:prstGeom>
+            <a:solidFill>
+              <a:srgbClr val="55CFD1">
+                <a:alpha val="20000"/>
+              </a:srgbClr>
+            </a:solidFill>
+            <a:ln>
+              <a:noFill/>
+            </a:ln>
+          </p:spPr>
+          <p:style>
+            <a:lnRef idx="2">
+              <a:schemeClr val="accent1">
+                <a:shade val="50000"/>
+              </a:schemeClr>
+            </a:lnRef>
+            <a:fillRef idx="1">
+              <a:schemeClr val="accent1"/>
+            </a:fillRef>
+            <a:effectRef idx="0">
+              <a:schemeClr val="accent1"/>
+            </a:effectRef>
+            <a:fontRef idx="minor">
+              <a:schemeClr val="lt1"/>
+            </a:fontRef>
+          </p:style>
+          <p:txBody>
+            <a:bodyPr rtlCol="0" anchor="ctr"/>
+            <a:lstStyle/>
+            <a:p>
+              <a:pPr algn="ctr"/>
+              <a:endParaRPr lang="ko-KR" altLang="en-US"/>
+            </a:p>
+          </p:txBody>
+        </p:sp>
+        <p:sp>
+          <p:nvSpPr>
+            <p:cNvPr id="15" name="TextBox 14">
+              <a:extLst>
+                <a:ext uri="{FF2B5EF4-FFF2-40B4-BE49-F238E27FC236}">
+                  <a16:creationId xmlns:a16="http://schemas.microsoft.com/office/drawing/2014/main" id="{9AA978A1-FEAC-4FF9-9F01-883B2E379653}"/>
+                </a:ext>
+              </a:extLst>
+            </p:cNvPr>
+            <p:cNvSpPr txBox="1"/>
+            <p:nvPr/>
+          </p:nvSpPr>
+          <p:spPr>
+            <a:xfrm>
+              <a:off x="803275" y="4748383"/>
+              <a:ext cx="2260880" cy="835543"/>
+            </a:xfrm>
+            <a:prstGeom prst="rect">
+              <a:avLst/>
+            </a:prstGeom>
+            <a:noFill/>
+          </p:spPr>
+          <p:txBody>
+            <a:bodyPr wrap="square" lIns="91374" tIns="45685" rIns="91374" bIns="45685">
+              <a:spAutoFit/>
+            </a:bodyPr>
+            <a:lstStyle/>
+            <a:p>
+              <a:pPr algn="ctr" defTabSz="912813" fontAlgn="base">
+                <a:lnSpc>
+                  <a:spcPct val="120000"/>
+                </a:lnSpc>
+                <a:spcBef>
+                  <a:spcPts val="600"/>
+                </a:spcBef>
+                <a:spcAft>
+                  <a:spcPct val="0"/>
+                </a:spcAft>
+                <a:defRPr/>
+              </a:pPr>
+              <a:r>
+                <a:rPr kumimoji="1" lang="ko-KR" altLang="en-US" sz="1100">
+                  <a:ln>
+                    <a:solidFill>
+                      <a:schemeClr val="bg1">
+                        <a:lumMod val="85000"/>
+                        <a:alpha val="0"/>
+                      </a:schemeClr>
+                    </a:solidFill>
+                  </a:ln>
+                  <a:solidFill>
+                    <a:srgbClr val="4B465E"/>
+                  </a:solidFill>
+                  <a:latin typeface="맑은 고딕" pitchFamily="50" charset="-127"/>
+                  <a:cs typeface="Arial" panose="020B0604020202020204" pitchFamily="34" charset="0"/>
+                </a:rPr>
+                <a:t>화면 터치를 통한</a:t>
+              </a:r>
+              <a:endParaRPr kumimoji="1" lang="en-US" altLang="ko-KR" sz="1100">
+                <a:ln>
+                  <a:solidFill>
+                    <a:schemeClr val="bg1">
+                      <a:lumMod val="85000"/>
+                      <a:alpha val="0"/>
+                    </a:schemeClr>
+                  </a:solidFill>
+                </a:ln>
+                <a:solidFill>
+                  <a:srgbClr val="4B465E"/>
+                </a:solidFill>
+                <a:latin typeface="맑은 고딕" pitchFamily="50" charset="-127"/>
+                <a:cs typeface="Arial" panose="020B0604020202020204" pitchFamily="34" charset="0"/>
+              </a:endParaRPr>
+            </a:p>
+            <a:p>
+              <a:pPr algn="ctr" defTabSz="912813" fontAlgn="base">
+                <a:lnSpc>
+                  <a:spcPct val="120000"/>
+                </a:lnSpc>
+                <a:spcBef>
+                  <a:spcPts val="600"/>
+                </a:spcBef>
+                <a:spcAft>
+                  <a:spcPct val="0"/>
+                </a:spcAft>
+                <a:defRPr/>
+              </a:pPr>
+              <a:r>
+                <a:rPr kumimoji="1" lang="ko-KR" altLang="en-US" sz="1100">
+                  <a:ln>
+                    <a:solidFill>
+                      <a:schemeClr val="bg1">
+                        <a:lumMod val="85000"/>
+                        <a:alpha val="0"/>
+                      </a:schemeClr>
+                    </a:solidFill>
+                  </a:ln>
+                  <a:solidFill>
+                    <a:srgbClr val="4B465E"/>
+                  </a:solidFill>
+                  <a:latin typeface="맑은 고딕" pitchFamily="50" charset="-127"/>
+                  <a:cs typeface="Arial" panose="020B0604020202020204" pitchFamily="34" charset="0"/>
+                </a:rPr>
+                <a:t>플레이어의 </a:t>
+              </a:r>
+              <a:endParaRPr kumimoji="1" lang="en-US" altLang="ko-KR" sz="1100">
+                <a:ln>
+                  <a:solidFill>
+                    <a:schemeClr val="bg1">
+                      <a:lumMod val="85000"/>
+                      <a:alpha val="0"/>
+                    </a:schemeClr>
+                  </a:solidFill>
+                </a:ln>
+                <a:solidFill>
+                  <a:srgbClr val="4B465E"/>
+                </a:solidFill>
+                <a:latin typeface="맑은 고딕" pitchFamily="50" charset="-127"/>
+                <a:cs typeface="Arial" panose="020B0604020202020204" pitchFamily="34" charset="0"/>
+              </a:endParaRPr>
+            </a:p>
+            <a:p>
+              <a:pPr algn="ctr" defTabSz="912813" fontAlgn="base">
+                <a:lnSpc>
+                  <a:spcPct val="120000"/>
+                </a:lnSpc>
+                <a:spcBef>
+                  <a:spcPts val="600"/>
+                </a:spcBef>
+                <a:spcAft>
+                  <a:spcPct val="0"/>
+                </a:spcAft>
+                <a:defRPr/>
+              </a:pPr>
+              <a:r>
+                <a:rPr kumimoji="1" lang="ko-KR" altLang="en-US" sz="1100">
+                  <a:ln>
+                    <a:solidFill>
+                      <a:schemeClr val="bg1">
+                        <a:lumMod val="85000"/>
+                        <a:alpha val="0"/>
+                      </a:schemeClr>
+                    </a:solidFill>
+                  </a:ln>
+                  <a:solidFill>
+                    <a:srgbClr val="4B465E"/>
+                  </a:solidFill>
+                  <a:latin typeface="맑은 고딕" pitchFamily="50" charset="-127"/>
+                  <a:cs typeface="Arial" panose="020B0604020202020204" pitchFamily="34" charset="0"/>
+                </a:rPr>
+                <a:t>상</a:t>
+              </a:r>
+              <a:r>
+                <a:rPr kumimoji="1" lang="en-US" altLang="ko-KR" sz="1100">
+                  <a:ln>
+                    <a:solidFill>
+                      <a:schemeClr val="bg1">
+                        <a:lumMod val="85000"/>
+                        <a:alpha val="0"/>
+                      </a:schemeClr>
+                    </a:solidFill>
+                  </a:ln>
+                  <a:solidFill>
+                    <a:srgbClr val="4B465E"/>
+                  </a:solidFill>
+                  <a:latin typeface="맑은 고딕" pitchFamily="50" charset="-127"/>
+                  <a:cs typeface="Arial" panose="020B0604020202020204" pitchFamily="34" charset="0"/>
+                </a:rPr>
+                <a:t>, </a:t>
+              </a:r>
+              <a:r>
+                <a:rPr kumimoji="1" lang="ko-KR" altLang="en-US" sz="1100">
+                  <a:ln>
+                    <a:solidFill>
+                      <a:schemeClr val="bg1">
+                        <a:lumMod val="85000"/>
+                        <a:alpha val="0"/>
+                      </a:schemeClr>
+                    </a:solidFill>
+                  </a:ln>
+                  <a:solidFill>
+                    <a:srgbClr val="4B465E"/>
+                  </a:solidFill>
+                  <a:latin typeface="맑은 고딕" pitchFamily="50" charset="-127"/>
+                  <a:cs typeface="Arial" panose="020B0604020202020204" pitchFamily="34" charset="0"/>
+                </a:rPr>
+                <a:t>하</a:t>
+              </a:r>
+              <a:r>
+                <a:rPr kumimoji="1" lang="en-US" altLang="ko-KR" sz="1100">
+                  <a:ln>
+                    <a:solidFill>
+                      <a:schemeClr val="bg1">
+                        <a:lumMod val="85000"/>
+                        <a:alpha val="0"/>
+                      </a:schemeClr>
+                    </a:solidFill>
+                  </a:ln>
+                  <a:solidFill>
+                    <a:srgbClr val="4B465E"/>
+                  </a:solidFill>
+                  <a:latin typeface="맑은 고딕" pitchFamily="50" charset="-127"/>
+                  <a:cs typeface="Arial" panose="020B0604020202020204" pitchFamily="34" charset="0"/>
+                </a:rPr>
+                <a:t>, </a:t>
+              </a:r>
+              <a:r>
+                <a:rPr kumimoji="1" lang="ko-KR" altLang="en-US" sz="1100">
+                  <a:ln>
+                    <a:solidFill>
+                      <a:schemeClr val="bg1">
+                        <a:lumMod val="85000"/>
+                        <a:alpha val="0"/>
+                      </a:schemeClr>
+                    </a:solidFill>
+                  </a:ln>
+                  <a:solidFill>
+                    <a:srgbClr val="4B465E"/>
+                  </a:solidFill>
+                  <a:latin typeface="맑은 고딕" pitchFamily="50" charset="-127"/>
+                  <a:cs typeface="Arial" panose="020B0604020202020204" pitchFamily="34" charset="0"/>
+                </a:rPr>
+                <a:t>좌</a:t>
+              </a:r>
+              <a:r>
+                <a:rPr kumimoji="1" lang="en-US" altLang="ko-KR" sz="1100">
+                  <a:ln>
+                    <a:solidFill>
+                      <a:schemeClr val="bg1">
+                        <a:lumMod val="85000"/>
+                        <a:alpha val="0"/>
+                      </a:schemeClr>
+                    </a:solidFill>
+                  </a:ln>
+                  <a:solidFill>
+                    <a:srgbClr val="4B465E"/>
+                  </a:solidFill>
+                  <a:latin typeface="맑은 고딕" pitchFamily="50" charset="-127"/>
+                  <a:cs typeface="Arial" panose="020B0604020202020204" pitchFamily="34" charset="0"/>
+                </a:rPr>
+                <a:t>, </a:t>
+              </a:r>
+              <a:r>
+                <a:rPr kumimoji="1" lang="ko-KR" altLang="en-US" sz="1100">
+                  <a:ln>
+                    <a:solidFill>
+                      <a:schemeClr val="bg1">
+                        <a:lumMod val="85000"/>
+                        <a:alpha val="0"/>
+                      </a:schemeClr>
+                    </a:solidFill>
+                  </a:ln>
+                  <a:solidFill>
+                    <a:srgbClr val="4B465E"/>
+                  </a:solidFill>
+                  <a:latin typeface="맑은 고딕" pitchFamily="50" charset="-127"/>
+                  <a:cs typeface="Arial" panose="020B0604020202020204" pitchFamily="34" charset="0"/>
+                </a:rPr>
+                <a:t>우 이동</a:t>
+              </a:r>
+              <a:endParaRPr kumimoji="1" lang="en-US" altLang="ko-KR" sz="1100" dirty="0">
+                <a:ln>
+                  <a:solidFill>
+                    <a:schemeClr val="bg1">
+                      <a:lumMod val="85000"/>
+                      <a:alpha val="0"/>
+                    </a:schemeClr>
+                  </a:solidFill>
+                </a:ln>
+                <a:solidFill>
+                  <a:srgbClr val="4B465E"/>
+                </a:solidFill>
+                <a:latin typeface="맑은 고딕" pitchFamily="50" charset="-127"/>
+                <a:cs typeface="Arial" panose="020B0604020202020204" pitchFamily="34" charset="0"/>
+              </a:endParaRPr>
+            </a:p>
+          </p:txBody>
+        </p:sp>
+        <p:sp>
+          <p:nvSpPr>
+            <p:cNvPr id="18" name="TextBox 17">
+              <a:extLst>
+                <a:ext uri="{FF2B5EF4-FFF2-40B4-BE49-F238E27FC236}">
+                  <a16:creationId xmlns:a16="http://schemas.microsoft.com/office/drawing/2014/main" id="{1009D8E8-63D7-49D7-AA23-0D23B9942F55}"/>
+                </a:ext>
+              </a:extLst>
+            </p:cNvPr>
+            <p:cNvSpPr txBox="1"/>
+            <p:nvPr/>
+          </p:nvSpPr>
+          <p:spPr>
+            <a:xfrm>
+              <a:off x="1338906" y="4379122"/>
+              <a:ext cx="1189616" cy="369261"/>
+            </a:xfrm>
+            <a:prstGeom prst="rect">
+              <a:avLst/>
+            </a:prstGeom>
+            <a:noFill/>
+          </p:spPr>
+          <p:txBody>
+            <a:bodyPr wrap="none" lIns="91374" tIns="45685" rIns="91374" bIns="45685">
+              <a:spAutoFit/>
+            </a:bodyPr>
+            <a:lstStyle/>
+            <a:p>
+              <a:pPr algn="ctr" defTabSz="912813" fontAlgn="base">
+                <a:spcBef>
+                  <a:spcPts val="600"/>
+                </a:spcBef>
+                <a:spcAft>
+                  <a:spcPct val="0"/>
+                </a:spcAft>
+                <a:defRPr/>
+              </a:pPr>
+              <a:r>
+                <a:rPr kumimoji="1" lang="ko-KR" altLang="en-US" b="1">
+                  <a:ln>
+                    <a:solidFill>
+                      <a:schemeClr val="bg1">
+                        <a:lumMod val="85000"/>
+                        <a:alpha val="0"/>
+                      </a:schemeClr>
+                    </a:solidFill>
+                  </a:ln>
+                  <a:solidFill>
+                    <a:srgbClr val="4B465E"/>
+                  </a:solidFill>
+                  <a:latin typeface="맑은 고딕" pitchFamily="50" charset="-127"/>
+                  <a:cs typeface="Arial" panose="020B0604020202020204" pitchFamily="34" charset="0"/>
+                </a:rPr>
+                <a:t>조작 방식</a:t>
+              </a:r>
+              <a:endParaRPr kumimoji="1" lang="en-US" altLang="ko-KR" b="1" dirty="0">
+                <a:ln>
+                  <a:solidFill>
+                    <a:schemeClr val="bg1">
+                      <a:lumMod val="85000"/>
+                      <a:alpha val="0"/>
+                    </a:schemeClr>
+                  </a:solidFill>
+                </a:ln>
+                <a:solidFill>
+                  <a:srgbClr val="4B465E"/>
+                </a:solidFill>
+                <a:latin typeface="맑은 고딕" pitchFamily="50" charset="-127"/>
+                <a:cs typeface="Arial" panose="020B0604020202020204" pitchFamily="34" charset="0"/>
+              </a:endParaRPr>
+            </a:p>
+          </p:txBody>
+        </p:sp>
+      </p:grpSp>
+      <p:cxnSp>
+        <p:nvCxnSpPr>
+          <p:cNvPr id="24" name="직선 연결선 23">
+            <a:extLst>
+              <a:ext uri="{FF2B5EF4-FFF2-40B4-BE49-F238E27FC236}">
+                <a16:creationId xmlns:a16="http://schemas.microsoft.com/office/drawing/2014/main" id="{9BF75801-7A7D-42E3-9DEE-56A54E462658}"/>
+              </a:ext>
+            </a:extLst>
+          </p:cNvPr>
+          <p:cNvCxnSpPr/>
+          <p:nvPr/>
+        </p:nvCxnSpPr>
+        <p:spPr>
+          <a:xfrm>
+            <a:off x="4460384" y="1426866"/>
+            <a:ext cx="0" cy="4500489"/>
+          </a:xfrm>
+          <a:prstGeom prst="line">
+            <a:avLst/>
+          </a:prstGeom>
+          <a:ln>
+            <a:solidFill>
+              <a:srgbClr val="55CFD1"/>
+            </a:solidFill>
+          </a:ln>
+        </p:spPr>
+        <p:style>
+          <a:lnRef idx="1">
+            <a:schemeClr val="accent1"/>
+          </a:lnRef>
+          <a:fillRef idx="0">
+            <a:schemeClr val="accent1"/>
+          </a:fillRef>
+          <a:effectRef idx="0">
+            <a:schemeClr val="accent1"/>
+          </a:effectRef>
+          <a:fontRef idx="minor">
+            <a:schemeClr val="tx1"/>
+          </a:fontRef>
+        </p:style>
+      </p:cxnSp>
+      <p:grpSp>
+        <p:nvGrpSpPr>
+          <p:cNvPr id="25" name="그룹 24">
+            <a:extLst>
+              <a:ext uri="{FF2B5EF4-FFF2-40B4-BE49-F238E27FC236}">
+                <a16:creationId xmlns:a16="http://schemas.microsoft.com/office/drawing/2014/main" id="{442A676E-BC5B-49E0-8A6C-42148854DE4B}"/>
+              </a:ext>
+            </a:extLst>
+          </p:cNvPr>
+          <p:cNvGrpSpPr/>
+          <p:nvPr/>
+        </p:nvGrpSpPr>
+        <p:grpSpPr>
+          <a:xfrm>
+            <a:off x="5327327" y="1426866"/>
+            <a:ext cx="2260880" cy="4032168"/>
+            <a:chOff x="803275" y="1547446"/>
+            <a:chExt cx="2260880" cy="4032168"/>
+          </a:xfrm>
+        </p:grpSpPr>
+        <p:sp>
+          <p:nvSpPr>
+            <p:cNvPr id="26" name="직사각형 25">
+              <a:extLst>
+                <a:ext uri="{FF2B5EF4-FFF2-40B4-BE49-F238E27FC236}">
+                  <a16:creationId xmlns:a16="http://schemas.microsoft.com/office/drawing/2014/main" id="{892210D5-4A97-47FF-8DFB-854022ED991D}"/>
+                </a:ext>
+              </a:extLst>
+            </p:cNvPr>
+            <p:cNvSpPr/>
+            <p:nvPr/>
+          </p:nvSpPr>
+          <p:spPr>
+            <a:xfrm>
+              <a:off x="803275" y="1547446"/>
+              <a:ext cx="2260879" cy="2260879"/>
+            </a:xfrm>
+            <a:prstGeom prst="rect">
+              <a:avLst/>
+            </a:prstGeom>
+            <a:solidFill>
+              <a:srgbClr val="55CFD1">
+                <a:alpha val="20000"/>
+              </a:srgbClr>
+            </a:solidFill>
+            <a:ln>
+              <a:noFill/>
+            </a:ln>
+          </p:spPr>
+          <p:style>
+            <a:lnRef idx="2">
+              <a:schemeClr val="accent1">
+                <a:shade val="50000"/>
+              </a:schemeClr>
+            </a:lnRef>
+            <a:fillRef idx="1">
+              <a:schemeClr val="accent1"/>
+            </a:fillRef>
+            <a:effectRef idx="0">
+              <a:schemeClr val="accent1"/>
+            </a:effectRef>
+            <a:fontRef idx="minor">
+              <a:schemeClr val="lt1"/>
+            </a:fontRef>
+          </p:style>
+          <p:txBody>
+            <a:bodyPr rtlCol="0" anchor="ctr"/>
+            <a:lstStyle/>
+            <a:p>
+              <a:pPr algn="ctr"/>
+              <a:endParaRPr lang="ko-KR" altLang="en-US"/>
+            </a:p>
+          </p:txBody>
+        </p:sp>
+        <p:sp>
+          <p:nvSpPr>
+            <p:cNvPr id="28" name="TextBox 27">
+              <a:extLst>
+                <a:ext uri="{FF2B5EF4-FFF2-40B4-BE49-F238E27FC236}">
+                  <a16:creationId xmlns:a16="http://schemas.microsoft.com/office/drawing/2014/main" id="{04B0697A-5595-45B7-8778-EFB81089205F}"/>
+                </a:ext>
+              </a:extLst>
+            </p:cNvPr>
+            <p:cNvSpPr txBox="1"/>
+            <p:nvPr/>
+          </p:nvSpPr>
+          <p:spPr>
+            <a:xfrm>
+              <a:off x="803275" y="4744071"/>
+              <a:ext cx="2260880" cy="835543"/>
+            </a:xfrm>
+            <a:prstGeom prst="rect">
+              <a:avLst/>
+            </a:prstGeom>
+            <a:noFill/>
+          </p:spPr>
+          <p:txBody>
+            <a:bodyPr wrap="square" lIns="91374" tIns="45685" rIns="91374" bIns="45685">
+              <a:spAutoFit/>
+            </a:bodyPr>
+            <a:lstStyle/>
+            <a:p>
+              <a:pPr algn="ctr" defTabSz="912813" fontAlgn="base">
+                <a:lnSpc>
+                  <a:spcPct val="120000"/>
+                </a:lnSpc>
+                <a:spcBef>
+                  <a:spcPts val="600"/>
+                </a:spcBef>
+                <a:spcAft>
+                  <a:spcPct val="0"/>
+                </a:spcAft>
+                <a:defRPr/>
+              </a:pPr>
+              <a:r>
+                <a:rPr kumimoji="1" lang="ko-KR" altLang="en-US" sz="1100">
+                  <a:ln>
+                    <a:solidFill>
+                      <a:schemeClr val="bg1">
+                        <a:lumMod val="85000"/>
+                        <a:alpha val="0"/>
+                      </a:schemeClr>
+                    </a:solidFill>
+                  </a:ln>
+                  <a:solidFill>
+                    <a:srgbClr val="4B465E"/>
+                  </a:solidFill>
+                  <a:latin typeface="맑은 고딕" pitchFamily="50" charset="-127"/>
+                  <a:cs typeface="Arial" panose="020B0604020202020204" pitchFamily="34" charset="0"/>
+                </a:rPr>
+                <a:t>플레이어의 </a:t>
+              </a:r>
+              <a:endParaRPr kumimoji="1" lang="en-US" altLang="ko-KR" sz="1100">
+                <a:ln>
+                  <a:solidFill>
+                    <a:schemeClr val="bg1">
+                      <a:lumMod val="85000"/>
+                      <a:alpha val="0"/>
+                    </a:schemeClr>
+                  </a:solidFill>
+                </a:ln>
+                <a:solidFill>
+                  <a:srgbClr val="4B465E"/>
+                </a:solidFill>
+                <a:latin typeface="맑은 고딕" pitchFamily="50" charset="-127"/>
+                <a:cs typeface="Arial" panose="020B0604020202020204" pitchFamily="34" charset="0"/>
+              </a:endParaRPr>
+            </a:p>
+            <a:p>
+              <a:pPr algn="ctr" defTabSz="912813" fontAlgn="base">
+                <a:lnSpc>
+                  <a:spcPct val="120000"/>
+                </a:lnSpc>
+                <a:spcBef>
+                  <a:spcPts val="600"/>
+                </a:spcBef>
+                <a:spcAft>
+                  <a:spcPct val="0"/>
+                </a:spcAft>
+                <a:defRPr/>
+              </a:pPr>
+              <a:r>
+                <a:rPr kumimoji="1" lang="ko-KR" altLang="en-US" sz="1100">
+                  <a:ln>
+                    <a:solidFill>
+                      <a:schemeClr val="bg1">
+                        <a:lumMod val="85000"/>
+                        <a:alpha val="0"/>
+                      </a:schemeClr>
+                    </a:solidFill>
+                  </a:ln>
+                  <a:solidFill>
+                    <a:srgbClr val="4B465E"/>
+                  </a:solidFill>
+                  <a:latin typeface="맑은 고딕" pitchFamily="50" charset="-127"/>
+                  <a:cs typeface="Arial" panose="020B0604020202020204" pitchFamily="34" charset="0"/>
+                </a:rPr>
+                <a:t>이동을 방해하는 </a:t>
+              </a:r>
+              <a:endParaRPr kumimoji="1" lang="en-US" altLang="ko-KR" sz="1100">
+                <a:ln>
+                  <a:solidFill>
+                    <a:schemeClr val="bg1">
+                      <a:lumMod val="85000"/>
+                      <a:alpha val="0"/>
+                    </a:schemeClr>
+                  </a:solidFill>
+                </a:ln>
+                <a:solidFill>
+                  <a:srgbClr val="4B465E"/>
+                </a:solidFill>
+                <a:latin typeface="맑은 고딕" pitchFamily="50" charset="-127"/>
+                <a:cs typeface="Arial" panose="020B0604020202020204" pitchFamily="34" charset="0"/>
+              </a:endParaRPr>
+            </a:p>
+            <a:p>
+              <a:pPr algn="ctr" defTabSz="912813" fontAlgn="base">
+                <a:lnSpc>
+                  <a:spcPct val="120000"/>
+                </a:lnSpc>
+                <a:spcBef>
+                  <a:spcPts val="600"/>
+                </a:spcBef>
+                <a:spcAft>
+                  <a:spcPct val="0"/>
+                </a:spcAft>
+                <a:defRPr/>
+              </a:pPr>
+              <a:r>
+                <a:rPr kumimoji="1" lang="ko-KR" altLang="en-US" sz="1100">
+                  <a:ln>
+                    <a:solidFill>
+                      <a:schemeClr val="bg1">
+                        <a:lumMod val="85000"/>
+                        <a:alpha val="0"/>
+                      </a:schemeClr>
+                    </a:solidFill>
+                  </a:ln>
+                  <a:solidFill>
+                    <a:srgbClr val="4B465E"/>
+                  </a:solidFill>
+                  <a:latin typeface="맑은 고딕" pitchFamily="50" charset="-127"/>
+                  <a:cs typeface="Arial" panose="020B0604020202020204" pitchFamily="34" charset="0"/>
+                </a:rPr>
+                <a:t>다양한 패턴의 장애물</a:t>
+              </a:r>
+              <a:endParaRPr kumimoji="1" lang="en-US" altLang="ko-KR" sz="1100" dirty="0">
+                <a:ln>
+                  <a:solidFill>
+                    <a:schemeClr val="bg1">
+                      <a:lumMod val="85000"/>
+                      <a:alpha val="0"/>
+                    </a:schemeClr>
+                  </a:solidFill>
+                </a:ln>
+                <a:solidFill>
+                  <a:srgbClr val="4B465E"/>
+                </a:solidFill>
+                <a:latin typeface="맑은 고딕" pitchFamily="50" charset="-127"/>
+                <a:cs typeface="Arial" panose="020B0604020202020204" pitchFamily="34" charset="0"/>
+              </a:endParaRPr>
+            </a:p>
+          </p:txBody>
+        </p:sp>
+        <p:sp>
+          <p:nvSpPr>
+            <p:cNvPr id="29" name="TextBox 28">
+              <a:extLst>
+                <a:ext uri="{FF2B5EF4-FFF2-40B4-BE49-F238E27FC236}">
+                  <a16:creationId xmlns:a16="http://schemas.microsoft.com/office/drawing/2014/main" id="{27FB6B68-A530-4864-A212-8A525D0CC102}"/>
+                </a:ext>
+              </a:extLst>
+            </p:cNvPr>
+            <p:cNvSpPr txBox="1"/>
+            <p:nvPr/>
+          </p:nvSpPr>
+          <p:spPr>
+            <a:xfrm>
+              <a:off x="1495199" y="4374810"/>
+              <a:ext cx="877030" cy="369261"/>
+            </a:xfrm>
+            <a:prstGeom prst="rect">
+              <a:avLst/>
+            </a:prstGeom>
+            <a:noFill/>
+          </p:spPr>
+          <p:txBody>
+            <a:bodyPr wrap="none" lIns="91374" tIns="45685" rIns="91374" bIns="45685">
+              <a:spAutoFit/>
+            </a:bodyPr>
+            <a:lstStyle/>
+            <a:p>
+              <a:pPr algn="ctr" defTabSz="912813" fontAlgn="base">
+                <a:spcBef>
+                  <a:spcPts val="600"/>
+                </a:spcBef>
+                <a:spcAft>
+                  <a:spcPct val="0"/>
+                </a:spcAft>
+                <a:defRPr/>
+              </a:pPr>
+              <a:r>
+                <a:rPr kumimoji="1" lang="ko-KR" altLang="en-US" b="1">
+                  <a:ln>
+                    <a:solidFill>
+                      <a:schemeClr val="bg1">
+                        <a:lumMod val="85000"/>
+                        <a:alpha val="0"/>
+                      </a:schemeClr>
+                    </a:solidFill>
+                  </a:ln>
+                  <a:solidFill>
+                    <a:srgbClr val="4B465E"/>
+                  </a:solidFill>
+                  <a:latin typeface="맑은 고딕" pitchFamily="50" charset="-127"/>
+                  <a:cs typeface="Arial" panose="020B0604020202020204" pitchFamily="34" charset="0"/>
+                </a:rPr>
+                <a:t>장애물</a:t>
+              </a:r>
+              <a:endParaRPr kumimoji="1" lang="en-US" altLang="ko-KR" b="1" dirty="0">
+                <a:ln>
+                  <a:solidFill>
+                    <a:schemeClr val="bg1">
+                      <a:lumMod val="85000"/>
+                      <a:alpha val="0"/>
+                    </a:schemeClr>
+                  </a:solidFill>
+                </a:ln>
+                <a:solidFill>
+                  <a:srgbClr val="4B465E"/>
+                </a:solidFill>
+                <a:latin typeface="맑은 고딕" pitchFamily="50" charset="-127"/>
+                <a:cs typeface="Arial" panose="020B0604020202020204" pitchFamily="34" charset="0"/>
+              </a:endParaRPr>
+            </a:p>
+          </p:txBody>
+        </p:sp>
+      </p:grpSp>
+      <p:cxnSp>
+        <p:nvCxnSpPr>
+          <p:cNvPr id="30" name="직선 연결선 29">
+            <a:extLst>
+              <a:ext uri="{FF2B5EF4-FFF2-40B4-BE49-F238E27FC236}">
+                <a16:creationId xmlns:a16="http://schemas.microsoft.com/office/drawing/2014/main" id="{CCE52199-C78A-4185-9573-B8F4EF1E5D23}"/>
+              </a:ext>
+            </a:extLst>
+          </p:cNvPr>
+          <p:cNvCxnSpPr/>
+          <p:nvPr/>
+        </p:nvCxnSpPr>
+        <p:spPr>
+          <a:xfrm>
+            <a:off x="8249084" y="1426866"/>
+            <a:ext cx="0" cy="4500489"/>
+          </a:xfrm>
+          <a:prstGeom prst="line">
+            <a:avLst/>
+          </a:prstGeom>
+          <a:ln>
+            <a:solidFill>
+              <a:srgbClr val="55CFD1"/>
+            </a:solidFill>
+          </a:ln>
+        </p:spPr>
+        <p:style>
+          <a:lnRef idx="1">
+            <a:schemeClr val="accent1"/>
+          </a:lnRef>
+          <a:fillRef idx="0">
+            <a:schemeClr val="accent1"/>
+          </a:fillRef>
+          <a:effectRef idx="0">
+            <a:schemeClr val="accent1"/>
+          </a:effectRef>
+          <a:fontRef idx="minor">
+            <a:schemeClr val="tx1"/>
+          </a:fontRef>
+        </p:style>
+      </p:cxnSp>
+      <p:grpSp>
+        <p:nvGrpSpPr>
+          <p:cNvPr id="31" name="그룹 30">
+            <a:extLst>
+              <a:ext uri="{FF2B5EF4-FFF2-40B4-BE49-F238E27FC236}">
+                <a16:creationId xmlns:a16="http://schemas.microsoft.com/office/drawing/2014/main" id="{9A83E3DC-37A5-4D1C-B5B1-6A10EE046628}"/>
+              </a:ext>
+            </a:extLst>
+          </p:cNvPr>
+          <p:cNvGrpSpPr/>
+          <p:nvPr/>
+        </p:nvGrpSpPr>
+        <p:grpSpPr>
+          <a:xfrm>
+            <a:off x="9045190" y="1426866"/>
+            <a:ext cx="2260880" cy="4036480"/>
+            <a:chOff x="803275" y="1547446"/>
+            <a:chExt cx="2260880" cy="4036480"/>
+          </a:xfrm>
+        </p:grpSpPr>
+        <p:sp>
+          <p:nvSpPr>
+            <p:cNvPr id="35" name="직사각형 34">
+              <a:extLst>
+                <a:ext uri="{FF2B5EF4-FFF2-40B4-BE49-F238E27FC236}">
+                  <a16:creationId xmlns:a16="http://schemas.microsoft.com/office/drawing/2014/main" id="{DE4C462C-D1F8-4778-BDC0-788ED0CAE52A}"/>
+                </a:ext>
+              </a:extLst>
+            </p:cNvPr>
+            <p:cNvSpPr/>
+            <p:nvPr/>
+          </p:nvSpPr>
+          <p:spPr>
+            <a:xfrm>
+              <a:off x="803275" y="1547446"/>
+              <a:ext cx="2260879" cy="2260879"/>
+            </a:xfrm>
+            <a:prstGeom prst="rect">
+              <a:avLst/>
+            </a:prstGeom>
+            <a:solidFill>
+              <a:srgbClr val="55CFD1">
+                <a:alpha val="20000"/>
+              </a:srgbClr>
+            </a:solidFill>
+            <a:ln>
+              <a:noFill/>
+            </a:ln>
+          </p:spPr>
+          <p:style>
+            <a:lnRef idx="2">
+              <a:schemeClr val="accent1">
+                <a:shade val="50000"/>
+              </a:schemeClr>
+            </a:lnRef>
+            <a:fillRef idx="1">
+              <a:schemeClr val="accent1"/>
+            </a:fillRef>
+            <a:effectRef idx="0">
+              <a:schemeClr val="accent1"/>
+            </a:effectRef>
+            <a:fontRef idx="minor">
+              <a:schemeClr val="lt1"/>
+            </a:fontRef>
+          </p:style>
+          <p:txBody>
+            <a:bodyPr rtlCol="0" anchor="ctr"/>
+            <a:lstStyle/>
+            <a:p>
+              <a:pPr algn="ctr"/>
+              <a:endParaRPr lang="ko-KR" altLang="en-US"/>
+            </a:p>
+          </p:txBody>
+        </p:sp>
+        <p:sp>
+          <p:nvSpPr>
+            <p:cNvPr id="36" name="TextBox 35">
+              <a:extLst>
+                <a:ext uri="{FF2B5EF4-FFF2-40B4-BE49-F238E27FC236}">
+                  <a16:creationId xmlns:a16="http://schemas.microsoft.com/office/drawing/2014/main" id="{56C2C420-3217-4A85-B887-55A13FA50A33}"/>
+                </a:ext>
+              </a:extLst>
+            </p:cNvPr>
+            <p:cNvSpPr txBox="1"/>
+            <p:nvPr/>
+          </p:nvSpPr>
+          <p:spPr>
+            <a:xfrm>
+              <a:off x="803275" y="4748383"/>
+              <a:ext cx="2260880" cy="835543"/>
+            </a:xfrm>
+            <a:prstGeom prst="rect">
+              <a:avLst/>
+            </a:prstGeom>
+            <a:noFill/>
+          </p:spPr>
+          <p:txBody>
+            <a:bodyPr wrap="square" lIns="91374" tIns="45685" rIns="91374" bIns="45685">
+              <a:spAutoFit/>
+            </a:bodyPr>
+            <a:lstStyle/>
+            <a:p>
+              <a:pPr algn="ctr" defTabSz="912813" fontAlgn="base">
+                <a:lnSpc>
+                  <a:spcPct val="120000"/>
+                </a:lnSpc>
+                <a:spcBef>
+                  <a:spcPts val="600"/>
+                </a:spcBef>
+                <a:spcAft>
+                  <a:spcPct val="0"/>
+                </a:spcAft>
+                <a:defRPr/>
+              </a:pPr>
+              <a:r>
+                <a:rPr kumimoji="1" lang="ko-KR" altLang="en-US" sz="1100">
+                  <a:ln>
+                    <a:solidFill>
+                      <a:schemeClr val="bg1">
+                        <a:lumMod val="85000"/>
+                        <a:alpha val="0"/>
+                      </a:schemeClr>
+                    </a:solidFill>
+                  </a:ln>
+                  <a:solidFill>
+                    <a:srgbClr val="4B465E"/>
+                  </a:solidFill>
+                  <a:latin typeface="맑은 고딕" pitchFamily="50" charset="-127"/>
+                  <a:cs typeface="Arial" panose="020B0604020202020204" pitchFamily="34" charset="0"/>
+                </a:rPr>
+                <a:t>플레이어에게</a:t>
+              </a:r>
+              <a:endParaRPr kumimoji="1" lang="en-US" altLang="ko-KR" sz="1100">
+                <a:ln>
+                  <a:solidFill>
+                    <a:schemeClr val="bg1">
+                      <a:lumMod val="85000"/>
+                      <a:alpha val="0"/>
+                    </a:schemeClr>
+                  </a:solidFill>
+                </a:ln>
+                <a:solidFill>
+                  <a:srgbClr val="4B465E"/>
+                </a:solidFill>
+                <a:latin typeface="맑은 고딕" pitchFamily="50" charset="-127"/>
+                <a:cs typeface="Arial" panose="020B0604020202020204" pitchFamily="34" charset="0"/>
+              </a:endParaRPr>
+            </a:p>
+            <a:p>
+              <a:pPr algn="ctr" defTabSz="912813" fontAlgn="base">
+                <a:lnSpc>
+                  <a:spcPct val="120000"/>
+                </a:lnSpc>
+                <a:spcBef>
+                  <a:spcPts val="600"/>
+                </a:spcBef>
+                <a:spcAft>
+                  <a:spcPct val="0"/>
+                </a:spcAft>
+                <a:defRPr/>
+              </a:pPr>
+              <a:r>
+                <a:rPr kumimoji="1" lang="ko-KR" altLang="en-US" sz="1100">
+                  <a:ln>
+                    <a:solidFill>
+                      <a:schemeClr val="bg1">
+                        <a:lumMod val="85000"/>
+                        <a:alpha val="0"/>
+                      </a:schemeClr>
+                    </a:solidFill>
+                  </a:ln>
+                  <a:solidFill>
+                    <a:srgbClr val="4B465E"/>
+                  </a:solidFill>
+                  <a:latin typeface="맑은 고딕" pitchFamily="50" charset="-127"/>
+                  <a:cs typeface="Arial" panose="020B0604020202020204" pitchFamily="34" charset="0"/>
+                </a:rPr>
+                <a:t>이로운 효과를 주는</a:t>
+              </a:r>
+              <a:endParaRPr kumimoji="1" lang="en-US" altLang="ko-KR" sz="1100">
+                <a:ln>
+                  <a:solidFill>
+                    <a:schemeClr val="bg1">
+                      <a:lumMod val="85000"/>
+                      <a:alpha val="0"/>
+                    </a:schemeClr>
+                  </a:solidFill>
+                </a:ln>
+                <a:solidFill>
+                  <a:srgbClr val="4B465E"/>
+                </a:solidFill>
+                <a:latin typeface="맑은 고딕" pitchFamily="50" charset="-127"/>
+                <a:cs typeface="Arial" panose="020B0604020202020204" pitchFamily="34" charset="0"/>
+              </a:endParaRPr>
+            </a:p>
+            <a:p>
+              <a:pPr algn="ctr" defTabSz="912813" fontAlgn="base">
+                <a:lnSpc>
+                  <a:spcPct val="120000"/>
+                </a:lnSpc>
+                <a:spcBef>
+                  <a:spcPts val="600"/>
+                </a:spcBef>
+                <a:spcAft>
+                  <a:spcPct val="0"/>
+                </a:spcAft>
+                <a:defRPr/>
+              </a:pPr>
+              <a:r>
+                <a:rPr kumimoji="1" lang="ko-KR" altLang="en-US" sz="1100">
+                  <a:ln>
+                    <a:solidFill>
+                      <a:schemeClr val="bg1">
+                        <a:lumMod val="85000"/>
+                        <a:alpha val="0"/>
+                      </a:schemeClr>
+                    </a:solidFill>
+                  </a:ln>
+                  <a:solidFill>
+                    <a:srgbClr val="4B465E"/>
+                  </a:solidFill>
+                  <a:latin typeface="맑은 고딕" pitchFamily="50" charset="-127"/>
+                  <a:cs typeface="Arial" panose="020B0604020202020204" pitchFamily="34" charset="0"/>
+                </a:rPr>
+                <a:t>다양한 아이템</a:t>
+              </a:r>
+              <a:endParaRPr kumimoji="1" lang="en-US" altLang="ko-KR" sz="1100" dirty="0">
+                <a:ln>
+                  <a:solidFill>
+                    <a:schemeClr val="bg1">
+                      <a:lumMod val="85000"/>
+                      <a:alpha val="0"/>
+                    </a:schemeClr>
+                  </a:solidFill>
+                </a:ln>
+                <a:solidFill>
+                  <a:srgbClr val="4B465E"/>
+                </a:solidFill>
+                <a:latin typeface="맑은 고딕" pitchFamily="50" charset="-127"/>
+                <a:cs typeface="Arial" panose="020B0604020202020204" pitchFamily="34" charset="0"/>
+              </a:endParaRPr>
+            </a:p>
+          </p:txBody>
+        </p:sp>
+        <p:sp>
+          <p:nvSpPr>
+            <p:cNvPr id="37" name="TextBox 36">
+              <a:extLst>
+                <a:ext uri="{FF2B5EF4-FFF2-40B4-BE49-F238E27FC236}">
+                  <a16:creationId xmlns:a16="http://schemas.microsoft.com/office/drawing/2014/main" id="{87E2AFDE-091E-4CA3-A226-5B4170CECED1}"/>
+                </a:ext>
+              </a:extLst>
+            </p:cNvPr>
+            <p:cNvSpPr txBox="1"/>
+            <p:nvPr/>
+          </p:nvSpPr>
+          <p:spPr>
+            <a:xfrm>
+              <a:off x="1495199" y="4379122"/>
+              <a:ext cx="877030" cy="369261"/>
+            </a:xfrm>
+            <a:prstGeom prst="rect">
+              <a:avLst/>
+            </a:prstGeom>
+            <a:noFill/>
+          </p:spPr>
+          <p:txBody>
+            <a:bodyPr wrap="none" lIns="91374" tIns="45685" rIns="91374" bIns="45685">
+              <a:spAutoFit/>
+            </a:bodyPr>
+            <a:lstStyle/>
+            <a:p>
+              <a:pPr algn="ctr" defTabSz="912813" fontAlgn="base">
+                <a:spcBef>
+                  <a:spcPts val="600"/>
+                </a:spcBef>
+                <a:spcAft>
+                  <a:spcPct val="0"/>
+                </a:spcAft>
+                <a:defRPr/>
+              </a:pPr>
+              <a:r>
+                <a:rPr kumimoji="1" lang="ko-KR" altLang="en-US" b="1">
+                  <a:ln>
+                    <a:solidFill>
+                      <a:schemeClr val="bg1">
+                        <a:lumMod val="85000"/>
+                        <a:alpha val="0"/>
+                      </a:schemeClr>
+                    </a:solidFill>
+                  </a:ln>
+                  <a:solidFill>
+                    <a:srgbClr val="4B465E"/>
+                  </a:solidFill>
+                  <a:latin typeface="맑은 고딕" pitchFamily="50" charset="-127"/>
+                  <a:cs typeface="Arial" panose="020B0604020202020204" pitchFamily="34" charset="0"/>
+                </a:rPr>
+                <a:t>아이템</a:t>
+              </a:r>
+              <a:endParaRPr kumimoji="1" lang="en-US" altLang="ko-KR" b="1" dirty="0">
+                <a:ln>
+                  <a:solidFill>
+                    <a:schemeClr val="bg1">
+                      <a:lumMod val="85000"/>
+                      <a:alpha val="0"/>
+                    </a:schemeClr>
+                  </a:solidFill>
+                </a:ln>
+                <a:solidFill>
+                  <a:srgbClr val="4B465E"/>
+                </a:solidFill>
+                <a:latin typeface="맑은 고딕" pitchFamily="50" charset="-127"/>
+                <a:cs typeface="Arial" panose="020B0604020202020204" pitchFamily="34" charset="0"/>
+              </a:endParaRPr>
+            </a:p>
+          </p:txBody>
+        </p:sp>
+      </p:grpSp>
+      <p:pic>
+        <p:nvPicPr>
+          <p:cNvPr id="6" name="그림 5">
+            <a:extLst>
+              <a:ext uri="{FF2B5EF4-FFF2-40B4-BE49-F238E27FC236}">
+                <a16:creationId xmlns:a16="http://schemas.microsoft.com/office/drawing/2014/main" id="{985219A0-C95C-41AC-911E-5C834CD44E10}"/>
+              </a:ext>
+            </a:extLst>
+          </p:cNvPr>
+          <p:cNvPicPr>
+            <a:picLocks noChangeAspect="1"/>
+          </p:cNvPicPr>
+          <p:nvPr/>
+        </p:nvPicPr>
+        <p:blipFill>
+          <a:blip r:embed="rId2">
+            <a:extLst>
+              <a:ext uri="{28A0092B-C50C-407E-A947-70E740481C1C}">
+                <a14:useLocalDpi xmlns:a14="http://schemas.microsoft.com/office/drawing/2010/main" val="0"/>
+              </a:ext>
+            </a:extLst>
+          </a:blip>
+          <a:stretch>
+            <a:fillRect/>
+          </a:stretch>
+        </p:blipFill>
+        <p:spPr>
+          <a:xfrm>
+            <a:off x="1228368" y="1435183"/>
+            <a:ext cx="2299606" cy="2252562"/>
+          </a:xfrm>
+          <a:prstGeom prst="rect">
+            <a:avLst/>
+          </a:prstGeom>
+        </p:spPr>
+      </p:pic>
+      <p:pic>
+        <p:nvPicPr>
+          <p:cNvPr id="8" name="그림 7" descr="클립아트, 벡터그래픽이(가) 표시된 사진&#10;&#10;자동 생성된 설명">
+            <a:extLst>
+              <a:ext uri="{FF2B5EF4-FFF2-40B4-BE49-F238E27FC236}">
+                <a16:creationId xmlns:a16="http://schemas.microsoft.com/office/drawing/2014/main" id="{BF947BCC-37A2-48A7-9DA3-E5ADD88BA404}"/>
+              </a:ext>
+            </a:extLst>
+          </p:cNvPr>
+          <p:cNvPicPr>
+            <a:picLocks noChangeAspect="1"/>
+          </p:cNvPicPr>
+          <p:nvPr/>
+        </p:nvPicPr>
+        <p:blipFill>
+          <a:blip r:embed="rId3">
+            <a:extLst>
+              <a:ext uri="{28A0092B-C50C-407E-A947-70E740481C1C}">
+                <a14:useLocalDpi xmlns:a14="http://schemas.microsoft.com/office/drawing/2010/main" val="0"/>
+              </a:ext>
+            </a:extLst>
+          </a:blip>
+          <a:stretch>
+            <a:fillRect/>
+          </a:stretch>
+        </p:blipFill>
+        <p:spPr>
+          <a:xfrm>
+            <a:off x="9045187" y="1394654"/>
+            <a:ext cx="2260880" cy="2301407"/>
+          </a:xfrm>
+          <a:prstGeom prst="rect">
+            <a:avLst/>
+          </a:prstGeom>
+        </p:spPr>
+      </p:pic>
+      <p:pic>
+        <p:nvPicPr>
+          <p:cNvPr id="38" name="그림 37" descr="운송, 잔디깎는기계이(가) 표시된 사진&#10;&#10;자동 생성된 설명">
+            <a:extLst>
+              <a:ext uri="{FF2B5EF4-FFF2-40B4-BE49-F238E27FC236}">
+                <a16:creationId xmlns:a16="http://schemas.microsoft.com/office/drawing/2014/main" id="{2F21151D-8227-4648-AF43-EA656C47DC3D}"/>
+              </a:ext>
+            </a:extLst>
+          </p:cNvPr>
+          <p:cNvPicPr>
+            <a:picLocks noChangeAspect="1"/>
+          </p:cNvPicPr>
+          <p:nvPr/>
+        </p:nvPicPr>
+        <p:blipFill>
+          <a:blip r:embed="rId4">
+            <a:extLst>
+              <a:ext uri="{28A0092B-C50C-407E-A947-70E740481C1C}">
+                <a14:useLocalDpi xmlns:a14="http://schemas.microsoft.com/office/drawing/2010/main" val="0"/>
+              </a:ext>
+            </a:extLst>
+          </a:blip>
+          <a:stretch>
+            <a:fillRect/>
+          </a:stretch>
+        </p:blipFill>
+        <p:spPr>
+          <a:xfrm>
+            <a:off x="5327324" y="1398966"/>
+            <a:ext cx="2260879" cy="2297095"/>
+          </a:xfrm>
+          <a:prstGeom prst="rect">
+            <a:avLst/>
+          </a:prstGeom>
+        </p:spPr>
+      </p:pic>
+    </p:spTree>
+    <p:extLst>
+      <p:ext uri="{BB962C8B-B14F-4D97-AF65-F5344CB8AC3E}">
+        <p14:creationId xmlns:p14="http://schemas.microsoft.com/office/powerpoint/2010/main" val="2570019226"/>
+      </p:ext>
+    </p:extLst>
+  </p:cSld>
+  <p:clrMapOvr>
+    <a:masterClrMapping/>
+  </p:clrMapOvr>
+</p:sld>
+</file>
+
+<file path=ppt/slides/slide4.xml><?xml version="1.0" encoding="utf-8"?>
+<p:sld xmlns:a="http://schemas.openxmlformats.org/drawingml/2006/main" xmlns:r="http://schemas.openxmlformats.org/officeDocument/2006/relationships" xmlns:p="http://schemas.openxmlformats.org/presentationml/2006/main">
+  <p:cSld>
+    <p:spTree>
+      <p:nvGrpSpPr>
+        <p:cNvPr id="1" name=""/>
+        <p:cNvGrpSpPr/>
+        <p:nvPr/>
+      </p:nvGrpSpPr>
+      <p:grpSpPr>
+        <a:xfrm>
+          <a:off x="0" y="0"/>
+          <a:ext cx="0" cy="0"/>
+          <a:chOff x="0" y="0"/>
+          <a:chExt cx="0" cy="0"/>
+        </a:xfrm>
+      </p:grpSpPr>
       <p:sp>
         <p:nvSpPr>
           <p:cNvPr id="2" name="다이아몬드 1"/>
@@ -3942,7 +5484,7 @@
             <a:pPr algn="r"/>
             <a:r>
               <a:rPr lang="en-US" altLang="ko-KR"/>
-              <a:t>2</a:t>
+              <a:t>3</a:t>
             </a:r>
             <a:endParaRPr lang="ko-KR" altLang="en-US"/>
           </a:p>
@@ -4789,7 +6331,7 @@
 </p:sld>
 </file>
 
-<file path=ppt/slides/slide4.xml><?xml version="1.0" encoding="utf-8"?>
+<file path=ppt/slides/slide5.xml><?xml version="1.0" encoding="utf-8"?>
 <p:sld xmlns:a="http://schemas.openxmlformats.org/drawingml/2006/main" xmlns:r="http://schemas.openxmlformats.org/officeDocument/2006/relationships" xmlns:p="http://schemas.openxmlformats.org/presentationml/2006/main">
   <p:cSld>
     <p:spTree>
@@ -4986,7 +6528,7 @@
             <a:pPr algn="r"/>
             <a:r>
               <a:rPr lang="en-US" altLang="ko-KR"/>
-              <a:t>3</a:t>
+              <a:t>4</a:t>
             </a:r>
             <a:endParaRPr lang="ko-KR" altLang="en-US"/>
           </a:p>
@@ -5777,7 +7319,7 @@
 </p:sld>
 </file>
 
-<file path=ppt/slides/slide5.xml><?xml version="1.0" encoding="utf-8"?>
+<file path=ppt/slides/slide6.xml><?xml version="1.0" encoding="utf-8"?>
 <p:sld xmlns:a="http://schemas.openxmlformats.org/drawingml/2006/main" xmlns:r="http://schemas.openxmlformats.org/officeDocument/2006/relationships" xmlns:p="http://schemas.openxmlformats.org/presentationml/2006/main">
   <p:cSld>
     <p:spTree>
@@ -5932,7 +7474,7 @@
             <a:pPr algn="r"/>
             <a:r>
               <a:rPr lang="en-US" altLang="ko-KR"/>
-              <a:t>4  </a:t>
+              <a:t>5  </a:t>
             </a:r>
             <a:r>
               <a:rPr lang="ko-KR" altLang="en-US"/>
